--- a/1 практика/Презентация.pptx
+++ b/1 практика/Презентация.pptx
@@ -1,15 +1,15 @@
 
 <file path=ppt/presentation.xml><?xml version="1.0" encoding="utf-8"?>
-<p:presentation xmlns:a="http://schemas.openxmlformats.org/drawingml/2006/main" xmlns:r="http://schemas.openxmlformats.org/officeDocument/2006/relationships" xmlns:p="http://schemas.openxmlformats.org/presentationml/2006/main" xmlns:m="http://schemas.openxmlformats.org/officeDocument/2006/math" xmlns:w="http://schemas.openxmlformats.org/wordprocessingml/2006/main" autoCompressPictures="0" saveSubsetFonts="1" strictFirstAndLastChars="0">
+<p:presentation xmlns:a="http://schemas.openxmlformats.org/drawingml/2006/main" xmlns:r="http://schemas.openxmlformats.org/officeDocument/2006/relationships" xmlns:p="http://schemas.openxmlformats.org/presentationml/2006/main" strictFirstAndLastChars="0" saveSubsetFonts="1" autoCompressPictures="0">
   <p:sldMasterIdLst>
     <p:sldMasterId id="2147483648" r:id="rId1"/>
   </p:sldMasterIdLst>
   <p:sldIdLst>
-    <p:sldId id="256" r:id="rId3"/>
-    <p:sldId id="257" r:id="rId4"/>
-    <p:sldId id="258" r:id="rId5"/>
-    <p:sldId id="259" r:id="rId6"/>
-    <p:sldId id="260" r:id="rId7"/>
+    <p:sldId id="256" r:id="rId2"/>
+    <p:sldId id="257" r:id="rId3"/>
+    <p:sldId id="258" r:id="rId4"/>
+    <p:sldId id="259" r:id="rId5"/>
+    <p:sldId id="260" r:id="rId6"/>
   </p:sldIdLst>
   <p:sldSz cx="12192000" cy="6858000"/>
   <p:notesSz cx="12192000" cy="6858000"/>
@@ -233,11 +233,27 @@
       </a:defRPr>
     </a:lvl9pPr>
   </p:defaultTextStyle>
+  <p:extLst>
+    <p:ext uri="{EFAFB233-063F-42B5-8137-9DF3F51BA10A}">
+      <p15:sldGuideLst xmlns:p15="http://schemas.microsoft.com/office/powerpoint/2012/main">
+        <p15:guide id="1" orient="horz" pos="2160">
+          <p15:clr>
+            <a:srgbClr val="A4A3A4"/>
+          </p15:clr>
+        </p15:guide>
+        <p15:guide id="2" pos="2880">
+          <p15:clr>
+            <a:srgbClr val="A4A3A4"/>
+          </p15:clr>
+        </p15:guide>
+      </p15:sldGuideLst>
+    </p:ext>
+  </p:extLst>
 </p:presentation>
 </file>
 
 <file path=ppt/slideLayouts/slideLayout1.xml><?xml version="1.0" encoding="utf-8"?>
-<p:sldLayout xmlns:a="http://schemas.openxmlformats.org/drawingml/2006/main" xmlns:r="http://schemas.openxmlformats.org/officeDocument/2006/relationships" xmlns:p="http://schemas.openxmlformats.org/presentationml/2006/main" xmlns:m="http://schemas.openxmlformats.org/officeDocument/2006/math" xmlns:w="http://schemas.openxmlformats.org/wordprocessingml/2006/main" matchingName="Title Slide" preserve="0" showMasterPhAnim="0" type="title" userDrawn="1">
+<p:sldLayout xmlns:a="http://schemas.openxmlformats.org/drawingml/2006/main" xmlns:r="http://schemas.openxmlformats.org/officeDocument/2006/relationships" xmlns:p="http://schemas.openxmlformats.org/presentationml/2006/main" showMasterPhAnim="0" matchingName="Title Slide" type="title" userDrawn="1">
   <p:cSld name="TITLE">
     <p:spTree>
       <p:nvGrpSpPr>
@@ -256,7 +272,9 @@
       <p:sp>
         <p:nvSpPr>
           <p:cNvPr id="12" name="Google Shape;12;p7"/>
-          <p:cNvSpPr txBox="1"/>
+          <p:cNvSpPr txBox="1">
+            <a:spLocks noGrp="1"/>
+          </p:cNvSpPr>
           <p:nvPr>
             <p:ph type="ctrTitle"/>
           </p:nvPr>
@@ -397,7 +415,9 @@
       <p:sp>
         <p:nvSpPr>
           <p:cNvPr id="13" name="Google Shape;13;p7"/>
-          <p:cNvSpPr txBox="1"/>
+          <p:cNvSpPr txBox="1">
+            <a:spLocks noGrp="1"/>
+          </p:cNvSpPr>
           <p:nvPr>
             <p:ph type="subTitle" idx="1"/>
           </p:nvPr>
@@ -585,7 +605,9 @@
       <p:sp>
         <p:nvSpPr>
           <p:cNvPr id="14" name="Google Shape;14;p7"/>
-          <p:cNvSpPr txBox="1"/>
+          <p:cNvSpPr txBox="1">
+            <a:spLocks noGrp="1"/>
+          </p:cNvSpPr>
           <p:nvPr>
             <p:ph type="dt" idx="10"/>
           </p:nvPr>
@@ -719,7 +741,9 @@
       <p:sp>
         <p:nvSpPr>
           <p:cNvPr id="15" name="Google Shape;15;p7"/>
-          <p:cNvSpPr txBox="1"/>
+          <p:cNvSpPr txBox="1">
+            <a:spLocks noGrp="1"/>
+          </p:cNvSpPr>
           <p:nvPr>
             <p:ph type="ftr" idx="11"/>
           </p:nvPr>
@@ -853,7 +877,9 @@
       <p:sp>
         <p:nvSpPr>
           <p:cNvPr id="16" name="Google Shape;16;p7"/>
-          <p:cNvSpPr txBox="1"/>
+          <p:cNvSpPr txBox="1">
+            <a:spLocks noGrp="1"/>
+          </p:cNvSpPr>
           <p:nvPr>
             <p:ph type="sldNum" idx="12"/>
           </p:nvPr>
@@ -953,7 +979,7 @@
             </a:pPr>
             <a:fld id="{00000000-1234-1234-1234-123412341234}" type="slidenum">
               <a:rPr lang="ru-RU"/>
-              <a:t/>
+              <a:t>‹#›</a:t>
             </a:fld>
             <a:endParaRPr/>
           </a:p>
@@ -968,7 +994,7 @@
 </file>
 
 <file path=ppt/slideLayouts/slideLayout10.xml><?xml version="1.0" encoding="utf-8"?>
-<p:sldLayout xmlns:a="http://schemas.openxmlformats.org/drawingml/2006/main" xmlns:r="http://schemas.openxmlformats.org/officeDocument/2006/relationships" xmlns:p="http://schemas.openxmlformats.org/presentationml/2006/main" xmlns:m="http://schemas.openxmlformats.org/officeDocument/2006/math" xmlns:w="http://schemas.openxmlformats.org/wordprocessingml/2006/main" matchingName="Title and Vertical Text" preserve="0" showMasterPhAnim="0" type="vertTx" userDrawn="1">
+<p:sldLayout xmlns:a="http://schemas.openxmlformats.org/drawingml/2006/main" xmlns:r="http://schemas.openxmlformats.org/officeDocument/2006/relationships" xmlns:p="http://schemas.openxmlformats.org/presentationml/2006/main" showMasterPhAnim="0" matchingName="Title and Vertical Text" type="vertTx" userDrawn="1">
   <p:cSld name="VERTICAL_TEXT">
     <p:spTree>
       <p:nvGrpSpPr>
@@ -987,7 +1013,9 @@
       <p:sp>
         <p:nvSpPr>
           <p:cNvPr id="69" name="Google Shape;69;p16"/>
-          <p:cNvSpPr txBox="1"/>
+          <p:cNvSpPr txBox="1">
+            <a:spLocks noGrp="1"/>
+          </p:cNvSpPr>
           <p:nvPr>
             <p:ph type="title"/>
           </p:nvPr>
@@ -1127,7 +1155,9 @@
       <p:sp>
         <p:nvSpPr>
           <p:cNvPr id="70" name="Google Shape;70;p16"/>
-          <p:cNvSpPr txBox="1"/>
+          <p:cNvSpPr txBox="1">
+            <a:spLocks noGrp="1"/>
+          </p:cNvSpPr>
           <p:nvPr>
             <p:ph type="body" idx="1"/>
           </p:nvPr>
@@ -1315,7 +1345,9 @@
       <p:sp>
         <p:nvSpPr>
           <p:cNvPr id="71" name="Google Shape;71;p16"/>
-          <p:cNvSpPr txBox="1"/>
+          <p:cNvSpPr txBox="1">
+            <a:spLocks noGrp="1"/>
+          </p:cNvSpPr>
           <p:nvPr>
             <p:ph type="dt" idx="10"/>
           </p:nvPr>
@@ -1449,7 +1481,9 @@
       <p:sp>
         <p:nvSpPr>
           <p:cNvPr id="72" name="Google Shape;72;p16"/>
-          <p:cNvSpPr txBox="1"/>
+          <p:cNvSpPr txBox="1">
+            <a:spLocks noGrp="1"/>
+          </p:cNvSpPr>
           <p:nvPr>
             <p:ph type="ftr" idx="11"/>
           </p:nvPr>
@@ -1583,7 +1617,9 @@
       <p:sp>
         <p:nvSpPr>
           <p:cNvPr id="73" name="Google Shape;73;p16"/>
-          <p:cNvSpPr txBox="1"/>
+          <p:cNvSpPr txBox="1">
+            <a:spLocks noGrp="1"/>
+          </p:cNvSpPr>
           <p:nvPr>
             <p:ph type="sldNum" idx="12"/>
           </p:nvPr>
@@ -1683,7 +1719,7 @@
             </a:pPr>
             <a:fld id="{00000000-1234-1234-1234-123412341234}" type="slidenum">
               <a:rPr lang="ru-RU"/>
-              <a:t/>
+              <a:t>‹#›</a:t>
             </a:fld>
             <a:endParaRPr/>
           </a:p>
@@ -1698,7 +1734,7 @@
 </file>
 
 <file path=ppt/slideLayouts/slideLayout11.xml><?xml version="1.0" encoding="utf-8"?>
-<p:sldLayout xmlns:a="http://schemas.openxmlformats.org/drawingml/2006/main" xmlns:r="http://schemas.openxmlformats.org/officeDocument/2006/relationships" xmlns:p="http://schemas.openxmlformats.org/presentationml/2006/main" xmlns:m="http://schemas.openxmlformats.org/officeDocument/2006/math" xmlns:w="http://schemas.openxmlformats.org/wordprocessingml/2006/main" matchingName="Vertical Title and Text" preserve="0" showMasterPhAnim="0" type="vertTitleAndTx" userDrawn="1">
+<p:sldLayout xmlns:a="http://schemas.openxmlformats.org/drawingml/2006/main" xmlns:r="http://schemas.openxmlformats.org/officeDocument/2006/relationships" xmlns:p="http://schemas.openxmlformats.org/presentationml/2006/main" showMasterPhAnim="0" matchingName="Vertical Title and Text" type="vertTitleAndTx" userDrawn="1">
   <p:cSld name="VERTICAL_TITLE_AND_VERTICAL_TEXT">
     <p:spTree>
       <p:nvGrpSpPr>
@@ -1717,7 +1753,9 @@
       <p:sp>
         <p:nvSpPr>
           <p:cNvPr id="75" name="Google Shape;75;p17"/>
-          <p:cNvSpPr txBox="1"/>
+          <p:cNvSpPr txBox="1">
+            <a:spLocks noGrp="1"/>
+          </p:cNvSpPr>
           <p:nvPr>
             <p:ph type="title"/>
           </p:nvPr>
@@ -1857,7 +1895,9 @@
       <p:sp>
         <p:nvSpPr>
           <p:cNvPr id="76" name="Google Shape;76;p17"/>
-          <p:cNvSpPr txBox="1"/>
+          <p:cNvSpPr txBox="1">
+            <a:spLocks noGrp="1"/>
+          </p:cNvSpPr>
           <p:nvPr>
             <p:ph type="body" idx="1"/>
           </p:nvPr>
@@ -2045,7 +2085,9 @@
       <p:sp>
         <p:nvSpPr>
           <p:cNvPr id="77" name="Google Shape;77;p17"/>
-          <p:cNvSpPr txBox="1"/>
+          <p:cNvSpPr txBox="1">
+            <a:spLocks noGrp="1"/>
+          </p:cNvSpPr>
           <p:nvPr>
             <p:ph type="dt" idx="10"/>
           </p:nvPr>
@@ -2179,7 +2221,9 @@
       <p:sp>
         <p:nvSpPr>
           <p:cNvPr id="78" name="Google Shape;78;p17"/>
-          <p:cNvSpPr txBox="1"/>
+          <p:cNvSpPr txBox="1">
+            <a:spLocks noGrp="1"/>
+          </p:cNvSpPr>
           <p:nvPr>
             <p:ph type="ftr" idx="11"/>
           </p:nvPr>
@@ -2313,7 +2357,9 @@
       <p:sp>
         <p:nvSpPr>
           <p:cNvPr id="79" name="Google Shape;79;p17"/>
-          <p:cNvSpPr txBox="1"/>
+          <p:cNvSpPr txBox="1">
+            <a:spLocks noGrp="1"/>
+          </p:cNvSpPr>
           <p:nvPr>
             <p:ph type="sldNum" idx="12"/>
           </p:nvPr>
@@ -2413,7 +2459,7 @@
             </a:pPr>
             <a:fld id="{00000000-1234-1234-1234-123412341234}" type="slidenum">
               <a:rPr lang="ru-RU"/>
-              <a:t/>
+              <a:t>‹#›</a:t>
             </a:fld>
             <a:endParaRPr/>
           </a:p>
@@ -2428,7 +2474,7 @@
 </file>
 
 <file path=ppt/slideLayouts/slideLayout2.xml><?xml version="1.0" encoding="utf-8"?>
-<p:sldLayout xmlns:a="http://schemas.openxmlformats.org/drawingml/2006/main" xmlns:r="http://schemas.openxmlformats.org/officeDocument/2006/relationships" xmlns:p="http://schemas.openxmlformats.org/presentationml/2006/main" xmlns:m="http://schemas.openxmlformats.org/officeDocument/2006/math" xmlns:w="http://schemas.openxmlformats.org/wordprocessingml/2006/main" matchingName="Title and Content" preserve="0" showMasterPhAnim="0" type="obj" userDrawn="1">
+<p:sldLayout xmlns:a="http://schemas.openxmlformats.org/drawingml/2006/main" xmlns:r="http://schemas.openxmlformats.org/officeDocument/2006/relationships" xmlns:p="http://schemas.openxmlformats.org/presentationml/2006/main" showMasterPhAnim="0" matchingName="Title and Content" type="obj" userDrawn="1">
   <p:cSld name="OBJECT">
     <p:spTree>
       <p:nvGrpSpPr>
@@ -2447,7 +2493,9 @@
       <p:sp>
         <p:nvSpPr>
           <p:cNvPr id="18" name="Google Shape;18;p8"/>
-          <p:cNvSpPr txBox="1"/>
+          <p:cNvSpPr txBox="1">
+            <a:spLocks noGrp="1"/>
+          </p:cNvSpPr>
           <p:nvPr>
             <p:ph type="title"/>
           </p:nvPr>
@@ -2587,7 +2635,9 @@
       <p:sp>
         <p:nvSpPr>
           <p:cNvPr id="19" name="Google Shape;19;p8"/>
-          <p:cNvSpPr txBox="1"/>
+          <p:cNvSpPr txBox="1">
+            <a:spLocks noGrp="1"/>
+          </p:cNvSpPr>
           <p:nvPr>
             <p:ph type="body" idx="1"/>
           </p:nvPr>
@@ -2775,7 +2825,9 @@
       <p:sp>
         <p:nvSpPr>
           <p:cNvPr id="20" name="Google Shape;20;p8"/>
-          <p:cNvSpPr txBox="1"/>
+          <p:cNvSpPr txBox="1">
+            <a:spLocks noGrp="1"/>
+          </p:cNvSpPr>
           <p:nvPr>
             <p:ph type="dt" idx="10"/>
           </p:nvPr>
@@ -2909,7 +2961,9 @@
       <p:sp>
         <p:nvSpPr>
           <p:cNvPr id="21" name="Google Shape;21;p8"/>
-          <p:cNvSpPr txBox="1"/>
+          <p:cNvSpPr txBox="1">
+            <a:spLocks noGrp="1"/>
+          </p:cNvSpPr>
           <p:nvPr>
             <p:ph type="ftr" idx="11"/>
           </p:nvPr>
@@ -3043,7 +3097,9 @@
       <p:sp>
         <p:nvSpPr>
           <p:cNvPr id="22" name="Google Shape;22;p8"/>
-          <p:cNvSpPr txBox="1"/>
+          <p:cNvSpPr txBox="1">
+            <a:spLocks noGrp="1"/>
+          </p:cNvSpPr>
           <p:nvPr>
             <p:ph type="sldNum" idx="12"/>
           </p:nvPr>
@@ -3143,7 +3199,7 @@
             </a:pPr>
             <a:fld id="{00000000-1234-1234-1234-123412341234}" type="slidenum">
               <a:rPr lang="ru-RU"/>
-              <a:t/>
+              <a:t>‹#›</a:t>
             </a:fld>
             <a:endParaRPr/>
           </a:p>
@@ -3158,7 +3214,7 @@
 </file>
 
 <file path=ppt/slideLayouts/slideLayout3.xml><?xml version="1.0" encoding="utf-8"?>
-<p:sldLayout xmlns:a="http://schemas.openxmlformats.org/drawingml/2006/main" xmlns:r="http://schemas.openxmlformats.org/officeDocument/2006/relationships" xmlns:p="http://schemas.openxmlformats.org/presentationml/2006/main" xmlns:m="http://schemas.openxmlformats.org/officeDocument/2006/math" xmlns:w="http://schemas.openxmlformats.org/wordprocessingml/2006/main" matchingName="Section Header" preserve="0" showMasterPhAnim="0" type="secHead" userDrawn="1">
+<p:sldLayout xmlns:a="http://schemas.openxmlformats.org/drawingml/2006/main" xmlns:r="http://schemas.openxmlformats.org/officeDocument/2006/relationships" xmlns:p="http://schemas.openxmlformats.org/presentationml/2006/main" showMasterPhAnim="0" matchingName="Section Header" type="secHead" userDrawn="1">
   <p:cSld name="SECTION_HEADER">
     <p:spTree>
       <p:nvGrpSpPr>
@@ -3177,7 +3233,9 @@
       <p:sp>
         <p:nvSpPr>
           <p:cNvPr id="24" name="Google Shape;24;p9"/>
-          <p:cNvSpPr txBox="1"/>
+          <p:cNvSpPr txBox="1">
+            <a:spLocks noGrp="1"/>
+          </p:cNvSpPr>
           <p:nvPr>
             <p:ph type="title"/>
           </p:nvPr>
@@ -3318,7 +3376,9 @@
       <p:sp>
         <p:nvSpPr>
           <p:cNvPr id="25" name="Google Shape;25;p9"/>
-          <p:cNvSpPr txBox="1"/>
+          <p:cNvSpPr txBox="1">
+            <a:spLocks noGrp="1"/>
+          </p:cNvSpPr>
           <p:nvPr>
             <p:ph type="body" idx="1"/>
           </p:nvPr>
@@ -3542,7 +3602,9 @@
       <p:sp>
         <p:nvSpPr>
           <p:cNvPr id="26" name="Google Shape;26;p9"/>
-          <p:cNvSpPr txBox="1"/>
+          <p:cNvSpPr txBox="1">
+            <a:spLocks noGrp="1"/>
+          </p:cNvSpPr>
           <p:nvPr>
             <p:ph type="dt" idx="10"/>
           </p:nvPr>
@@ -3676,7 +3738,9 @@
       <p:sp>
         <p:nvSpPr>
           <p:cNvPr id="27" name="Google Shape;27;p9"/>
-          <p:cNvSpPr txBox="1"/>
+          <p:cNvSpPr txBox="1">
+            <a:spLocks noGrp="1"/>
+          </p:cNvSpPr>
           <p:nvPr>
             <p:ph type="ftr" idx="11"/>
           </p:nvPr>
@@ -3810,7 +3874,9 @@
       <p:sp>
         <p:nvSpPr>
           <p:cNvPr id="28" name="Google Shape;28;p9"/>
-          <p:cNvSpPr txBox="1"/>
+          <p:cNvSpPr txBox="1">
+            <a:spLocks noGrp="1"/>
+          </p:cNvSpPr>
           <p:nvPr>
             <p:ph type="sldNum" idx="12"/>
           </p:nvPr>
@@ -3910,7 +3976,7 @@
             </a:pPr>
             <a:fld id="{00000000-1234-1234-1234-123412341234}" type="slidenum">
               <a:rPr lang="ru-RU"/>
-              <a:t/>
+              <a:t>‹#›</a:t>
             </a:fld>
             <a:endParaRPr/>
           </a:p>
@@ -3925,7 +3991,7 @@
 </file>
 
 <file path=ppt/slideLayouts/slideLayout4.xml><?xml version="1.0" encoding="utf-8"?>
-<p:sldLayout xmlns:a="http://schemas.openxmlformats.org/drawingml/2006/main" xmlns:r="http://schemas.openxmlformats.org/officeDocument/2006/relationships" xmlns:p="http://schemas.openxmlformats.org/presentationml/2006/main" xmlns:m="http://schemas.openxmlformats.org/officeDocument/2006/math" xmlns:w="http://schemas.openxmlformats.org/wordprocessingml/2006/main" matchingName="Two Content" preserve="0" showMasterPhAnim="0" type="twoObj" userDrawn="1">
+<p:sldLayout xmlns:a="http://schemas.openxmlformats.org/drawingml/2006/main" xmlns:r="http://schemas.openxmlformats.org/officeDocument/2006/relationships" xmlns:p="http://schemas.openxmlformats.org/presentationml/2006/main" showMasterPhAnim="0" matchingName="Two Content" type="twoObj" userDrawn="1">
   <p:cSld name="TWO_OBJECTS">
     <p:spTree>
       <p:nvGrpSpPr>
@@ -3944,7 +4010,9 @@
       <p:sp>
         <p:nvSpPr>
           <p:cNvPr id="30" name="Google Shape;30;p10"/>
-          <p:cNvSpPr txBox="1"/>
+          <p:cNvSpPr txBox="1">
+            <a:spLocks noGrp="1"/>
+          </p:cNvSpPr>
           <p:nvPr>
             <p:ph type="title"/>
           </p:nvPr>
@@ -4084,7 +4152,9 @@
       <p:sp>
         <p:nvSpPr>
           <p:cNvPr id="31" name="Google Shape;31;p10"/>
-          <p:cNvSpPr txBox="1"/>
+          <p:cNvSpPr txBox="1">
+            <a:spLocks noGrp="1"/>
+          </p:cNvSpPr>
           <p:nvPr>
             <p:ph type="body" idx="1"/>
           </p:nvPr>
@@ -4272,7 +4342,9 @@
       <p:sp>
         <p:nvSpPr>
           <p:cNvPr id="32" name="Google Shape;32;p10"/>
-          <p:cNvSpPr txBox="1"/>
+          <p:cNvSpPr txBox="1">
+            <a:spLocks noGrp="1"/>
+          </p:cNvSpPr>
           <p:nvPr>
             <p:ph type="body" idx="2"/>
           </p:nvPr>
@@ -4460,7 +4532,9 @@
       <p:sp>
         <p:nvSpPr>
           <p:cNvPr id="33" name="Google Shape;33;p10"/>
-          <p:cNvSpPr txBox="1"/>
+          <p:cNvSpPr txBox="1">
+            <a:spLocks noGrp="1"/>
+          </p:cNvSpPr>
           <p:nvPr>
             <p:ph type="dt" idx="10"/>
           </p:nvPr>
@@ -4594,7 +4668,9 @@
       <p:sp>
         <p:nvSpPr>
           <p:cNvPr id="34" name="Google Shape;34;p10"/>
-          <p:cNvSpPr txBox="1"/>
+          <p:cNvSpPr txBox="1">
+            <a:spLocks noGrp="1"/>
+          </p:cNvSpPr>
           <p:nvPr>
             <p:ph type="ftr" idx="11"/>
           </p:nvPr>
@@ -4728,7 +4804,9 @@
       <p:sp>
         <p:nvSpPr>
           <p:cNvPr id="35" name="Google Shape;35;p10"/>
-          <p:cNvSpPr txBox="1"/>
+          <p:cNvSpPr txBox="1">
+            <a:spLocks noGrp="1"/>
+          </p:cNvSpPr>
           <p:nvPr>
             <p:ph type="sldNum" idx="12"/>
           </p:nvPr>
@@ -4828,7 +4906,7 @@
             </a:pPr>
             <a:fld id="{00000000-1234-1234-1234-123412341234}" type="slidenum">
               <a:rPr lang="ru-RU"/>
-              <a:t/>
+              <a:t>‹#›</a:t>
             </a:fld>
             <a:endParaRPr/>
           </a:p>
@@ -4843,7 +4921,7 @@
 </file>
 
 <file path=ppt/slideLayouts/slideLayout5.xml><?xml version="1.0" encoding="utf-8"?>
-<p:sldLayout xmlns:a="http://schemas.openxmlformats.org/drawingml/2006/main" xmlns:r="http://schemas.openxmlformats.org/officeDocument/2006/relationships" xmlns:p="http://schemas.openxmlformats.org/presentationml/2006/main" xmlns:m="http://schemas.openxmlformats.org/officeDocument/2006/math" xmlns:w="http://schemas.openxmlformats.org/wordprocessingml/2006/main" matchingName="Comparison" preserve="0" showMasterPhAnim="0" type="twoTxTwoObj" userDrawn="1">
+<p:sldLayout xmlns:a="http://schemas.openxmlformats.org/drawingml/2006/main" xmlns:r="http://schemas.openxmlformats.org/officeDocument/2006/relationships" xmlns:p="http://schemas.openxmlformats.org/presentationml/2006/main" showMasterPhAnim="0" matchingName="Comparison" type="twoTxTwoObj" userDrawn="1">
   <p:cSld name="TWO_OBJECTS_WITH_TEXT">
     <p:spTree>
       <p:nvGrpSpPr>
@@ -4862,7 +4940,9 @@
       <p:sp>
         <p:nvSpPr>
           <p:cNvPr id="37" name="Google Shape;37;p11"/>
-          <p:cNvSpPr txBox="1"/>
+          <p:cNvSpPr txBox="1">
+            <a:spLocks noGrp="1"/>
+          </p:cNvSpPr>
           <p:nvPr>
             <p:ph type="title"/>
           </p:nvPr>
@@ -5002,7 +5082,9 @@
       <p:sp>
         <p:nvSpPr>
           <p:cNvPr id="38" name="Google Shape;38;p11"/>
-          <p:cNvSpPr txBox="1"/>
+          <p:cNvSpPr txBox="1">
+            <a:spLocks noGrp="1"/>
+          </p:cNvSpPr>
           <p:nvPr>
             <p:ph type="body" idx="1"/>
           </p:nvPr>
@@ -5190,7 +5272,9 @@
       <p:sp>
         <p:nvSpPr>
           <p:cNvPr id="39" name="Google Shape;39;p11"/>
-          <p:cNvSpPr txBox="1"/>
+          <p:cNvSpPr txBox="1">
+            <a:spLocks noGrp="1"/>
+          </p:cNvSpPr>
           <p:nvPr>
             <p:ph type="body" idx="2"/>
           </p:nvPr>
@@ -5378,7 +5462,9 @@
       <p:sp>
         <p:nvSpPr>
           <p:cNvPr id="40" name="Google Shape;40;p11"/>
-          <p:cNvSpPr txBox="1"/>
+          <p:cNvSpPr txBox="1">
+            <a:spLocks noGrp="1"/>
+          </p:cNvSpPr>
           <p:nvPr>
             <p:ph type="body" idx="3"/>
           </p:nvPr>
@@ -5566,7 +5652,9 @@
       <p:sp>
         <p:nvSpPr>
           <p:cNvPr id="41" name="Google Shape;41;p11"/>
-          <p:cNvSpPr txBox="1"/>
+          <p:cNvSpPr txBox="1">
+            <a:spLocks noGrp="1"/>
+          </p:cNvSpPr>
           <p:nvPr>
             <p:ph type="body" idx="4"/>
           </p:nvPr>
@@ -5754,7 +5842,9 @@
       <p:sp>
         <p:nvSpPr>
           <p:cNvPr id="42" name="Google Shape;42;p11"/>
-          <p:cNvSpPr txBox="1"/>
+          <p:cNvSpPr txBox="1">
+            <a:spLocks noGrp="1"/>
+          </p:cNvSpPr>
           <p:nvPr>
             <p:ph type="dt" idx="10"/>
           </p:nvPr>
@@ -5888,7 +5978,9 @@
       <p:sp>
         <p:nvSpPr>
           <p:cNvPr id="43" name="Google Shape;43;p11"/>
-          <p:cNvSpPr txBox="1"/>
+          <p:cNvSpPr txBox="1">
+            <a:spLocks noGrp="1"/>
+          </p:cNvSpPr>
           <p:nvPr>
             <p:ph type="ftr" idx="11"/>
           </p:nvPr>
@@ -6022,7 +6114,9 @@
       <p:sp>
         <p:nvSpPr>
           <p:cNvPr id="44" name="Google Shape;44;p11"/>
-          <p:cNvSpPr txBox="1"/>
+          <p:cNvSpPr txBox="1">
+            <a:spLocks noGrp="1"/>
+          </p:cNvSpPr>
           <p:nvPr>
             <p:ph type="sldNum" idx="12"/>
           </p:nvPr>
@@ -6122,7 +6216,7 @@
             </a:pPr>
             <a:fld id="{00000000-1234-1234-1234-123412341234}" type="slidenum">
               <a:rPr lang="ru-RU"/>
-              <a:t/>
+              <a:t>‹#›</a:t>
             </a:fld>
             <a:endParaRPr/>
           </a:p>
@@ -6137,7 +6231,7 @@
 </file>
 
 <file path=ppt/slideLayouts/slideLayout6.xml><?xml version="1.0" encoding="utf-8"?>
-<p:sldLayout xmlns:a="http://schemas.openxmlformats.org/drawingml/2006/main" xmlns:r="http://schemas.openxmlformats.org/officeDocument/2006/relationships" xmlns:p="http://schemas.openxmlformats.org/presentationml/2006/main" xmlns:m="http://schemas.openxmlformats.org/officeDocument/2006/math" xmlns:w="http://schemas.openxmlformats.org/wordprocessingml/2006/main" matchingName="Title Only" preserve="0" showMasterPhAnim="0" type="titleOnly" userDrawn="1">
+<p:sldLayout xmlns:a="http://schemas.openxmlformats.org/drawingml/2006/main" xmlns:r="http://schemas.openxmlformats.org/officeDocument/2006/relationships" xmlns:p="http://schemas.openxmlformats.org/presentationml/2006/main" showMasterPhAnim="0" matchingName="Title Only" type="titleOnly" userDrawn="1">
   <p:cSld name="TITLE_ONLY">
     <p:spTree>
       <p:nvGrpSpPr>
@@ -6156,7 +6250,9 @@
       <p:sp>
         <p:nvSpPr>
           <p:cNvPr id="46" name="Google Shape;46;p12"/>
-          <p:cNvSpPr txBox="1"/>
+          <p:cNvSpPr txBox="1">
+            <a:spLocks noGrp="1"/>
+          </p:cNvSpPr>
           <p:nvPr>
             <p:ph type="title"/>
           </p:nvPr>
@@ -6296,7 +6392,9 @@
       <p:sp>
         <p:nvSpPr>
           <p:cNvPr id="47" name="Google Shape;47;p12"/>
-          <p:cNvSpPr txBox="1"/>
+          <p:cNvSpPr txBox="1">
+            <a:spLocks noGrp="1"/>
+          </p:cNvSpPr>
           <p:nvPr>
             <p:ph type="dt" idx="10"/>
           </p:nvPr>
@@ -6430,7 +6528,9 @@
       <p:sp>
         <p:nvSpPr>
           <p:cNvPr id="48" name="Google Shape;48;p12"/>
-          <p:cNvSpPr txBox="1"/>
+          <p:cNvSpPr txBox="1">
+            <a:spLocks noGrp="1"/>
+          </p:cNvSpPr>
           <p:nvPr>
             <p:ph type="ftr" idx="11"/>
           </p:nvPr>
@@ -6564,7 +6664,9 @@
       <p:sp>
         <p:nvSpPr>
           <p:cNvPr id="49" name="Google Shape;49;p12"/>
-          <p:cNvSpPr txBox="1"/>
+          <p:cNvSpPr txBox="1">
+            <a:spLocks noGrp="1"/>
+          </p:cNvSpPr>
           <p:nvPr>
             <p:ph type="sldNum" idx="12"/>
           </p:nvPr>
@@ -6664,7 +6766,7 @@
             </a:pPr>
             <a:fld id="{00000000-1234-1234-1234-123412341234}" type="slidenum">
               <a:rPr lang="ru-RU"/>
-              <a:t/>
+              <a:t>‹#›</a:t>
             </a:fld>
             <a:endParaRPr/>
           </a:p>
@@ -6679,7 +6781,7 @@
 </file>
 
 <file path=ppt/slideLayouts/slideLayout7.xml><?xml version="1.0" encoding="utf-8"?>
-<p:sldLayout xmlns:a="http://schemas.openxmlformats.org/drawingml/2006/main" xmlns:r="http://schemas.openxmlformats.org/officeDocument/2006/relationships" xmlns:p="http://schemas.openxmlformats.org/presentationml/2006/main" xmlns:m="http://schemas.openxmlformats.org/officeDocument/2006/math" xmlns:w="http://schemas.openxmlformats.org/wordprocessingml/2006/main" matchingName="Blank" preserve="0" showMasterPhAnim="0" type="blank" userDrawn="1">
+<p:sldLayout xmlns:a="http://schemas.openxmlformats.org/drawingml/2006/main" xmlns:r="http://schemas.openxmlformats.org/officeDocument/2006/relationships" xmlns:p="http://schemas.openxmlformats.org/presentationml/2006/main" showMasterPhAnim="0" matchingName="Blank" type="blank" userDrawn="1">
   <p:cSld name="BLANK">
     <p:spTree>
       <p:nvGrpSpPr>
@@ -6698,7 +6800,9 @@
       <p:sp>
         <p:nvSpPr>
           <p:cNvPr id="51" name="Google Shape;51;p13"/>
-          <p:cNvSpPr txBox="1"/>
+          <p:cNvSpPr txBox="1">
+            <a:spLocks noGrp="1"/>
+          </p:cNvSpPr>
           <p:nvPr>
             <p:ph type="dt" idx="10"/>
           </p:nvPr>
@@ -6832,7 +6936,9 @@
       <p:sp>
         <p:nvSpPr>
           <p:cNvPr id="52" name="Google Shape;52;p13"/>
-          <p:cNvSpPr txBox="1"/>
+          <p:cNvSpPr txBox="1">
+            <a:spLocks noGrp="1"/>
+          </p:cNvSpPr>
           <p:nvPr>
             <p:ph type="ftr" idx="11"/>
           </p:nvPr>
@@ -6966,7 +7072,9 @@
       <p:sp>
         <p:nvSpPr>
           <p:cNvPr id="53" name="Google Shape;53;p13"/>
-          <p:cNvSpPr txBox="1"/>
+          <p:cNvSpPr txBox="1">
+            <a:spLocks noGrp="1"/>
+          </p:cNvSpPr>
           <p:nvPr>
             <p:ph type="sldNum" idx="12"/>
           </p:nvPr>
@@ -7066,7 +7174,7 @@
             </a:pPr>
             <a:fld id="{00000000-1234-1234-1234-123412341234}" type="slidenum">
               <a:rPr lang="ru-RU"/>
-              <a:t/>
+              <a:t>‹#›</a:t>
             </a:fld>
             <a:endParaRPr/>
           </a:p>
@@ -7081,7 +7189,7 @@
 </file>
 
 <file path=ppt/slideLayouts/slideLayout8.xml><?xml version="1.0" encoding="utf-8"?>
-<p:sldLayout xmlns:a="http://schemas.openxmlformats.org/drawingml/2006/main" xmlns:r="http://schemas.openxmlformats.org/officeDocument/2006/relationships" xmlns:p="http://schemas.openxmlformats.org/presentationml/2006/main" xmlns:m="http://schemas.openxmlformats.org/officeDocument/2006/math" xmlns:w="http://schemas.openxmlformats.org/wordprocessingml/2006/main" matchingName="Content with Caption" preserve="0" showMasterPhAnim="0" type="objTx" userDrawn="1">
+<p:sldLayout xmlns:a="http://schemas.openxmlformats.org/drawingml/2006/main" xmlns:r="http://schemas.openxmlformats.org/officeDocument/2006/relationships" xmlns:p="http://schemas.openxmlformats.org/presentationml/2006/main" showMasterPhAnim="0" matchingName="Content with Caption" type="objTx" userDrawn="1">
   <p:cSld name="OBJECT_WITH_CAPTION_TEXT">
     <p:spTree>
       <p:nvGrpSpPr>
@@ -7100,7 +7208,9 @@
       <p:sp>
         <p:nvSpPr>
           <p:cNvPr id="55" name="Google Shape;55;p14"/>
-          <p:cNvSpPr txBox="1"/>
+          <p:cNvSpPr txBox="1">
+            <a:spLocks noGrp="1"/>
+          </p:cNvSpPr>
           <p:nvPr>
             <p:ph type="title"/>
           </p:nvPr>
@@ -7241,7 +7351,9 @@
       <p:sp>
         <p:nvSpPr>
           <p:cNvPr id="56" name="Google Shape;56;p14"/>
-          <p:cNvSpPr txBox="1"/>
+          <p:cNvSpPr txBox="1">
+            <a:spLocks noGrp="1"/>
+          </p:cNvSpPr>
           <p:nvPr>
             <p:ph type="body" idx="1"/>
           </p:nvPr>
@@ -7429,7 +7541,9 @@
       <p:sp>
         <p:nvSpPr>
           <p:cNvPr id="57" name="Google Shape;57;p14"/>
-          <p:cNvSpPr txBox="1"/>
+          <p:cNvSpPr txBox="1">
+            <a:spLocks noGrp="1"/>
+          </p:cNvSpPr>
           <p:nvPr>
             <p:ph type="body" idx="2"/>
           </p:nvPr>
@@ -7617,7 +7731,9 @@
       <p:sp>
         <p:nvSpPr>
           <p:cNvPr id="58" name="Google Shape;58;p14"/>
-          <p:cNvSpPr txBox="1"/>
+          <p:cNvSpPr txBox="1">
+            <a:spLocks noGrp="1"/>
+          </p:cNvSpPr>
           <p:nvPr>
             <p:ph type="dt" idx="10"/>
           </p:nvPr>
@@ -7751,7 +7867,9 @@
       <p:sp>
         <p:nvSpPr>
           <p:cNvPr id="59" name="Google Shape;59;p14"/>
-          <p:cNvSpPr txBox="1"/>
+          <p:cNvSpPr txBox="1">
+            <a:spLocks noGrp="1"/>
+          </p:cNvSpPr>
           <p:nvPr>
             <p:ph type="ftr" idx="11"/>
           </p:nvPr>
@@ -7885,7 +8003,9 @@
       <p:sp>
         <p:nvSpPr>
           <p:cNvPr id="60" name="Google Shape;60;p14"/>
-          <p:cNvSpPr txBox="1"/>
+          <p:cNvSpPr txBox="1">
+            <a:spLocks noGrp="1"/>
+          </p:cNvSpPr>
           <p:nvPr>
             <p:ph type="sldNum" idx="12"/>
           </p:nvPr>
@@ -7985,7 +8105,7 @@
             </a:pPr>
             <a:fld id="{00000000-1234-1234-1234-123412341234}" type="slidenum">
               <a:rPr lang="ru-RU"/>
-              <a:t/>
+              <a:t>‹#›</a:t>
             </a:fld>
             <a:endParaRPr/>
           </a:p>
@@ -8000,7 +8120,7 @@
 </file>
 
 <file path=ppt/slideLayouts/slideLayout9.xml><?xml version="1.0" encoding="utf-8"?>
-<p:sldLayout xmlns:a="http://schemas.openxmlformats.org/drawingml/2006/main" xmlns:r="http://schemas.openxmlformats.org/officeDocument/2006/relationships" xmlns:p="http://schemas.openxmlformats.org/presentationml/2006/main" xmlns:m="http://schemas.openxmlformats.org/officeDocument/2006/math" xmlns:w="http://schemas.openxmlformats.org/wordprocessingml/2006/main" matchingName="Picture with Caption" preserve="0" showMasterPhAnim="0" type="picTx" userDrawn="1">
+<p:sldLayout xmlns:a="http://schemas.openxmlformats.org/drawingml/2006/main" xmlns:r="http://schemas.openxmlformats.org/officeDocument/2006/relationships" xmlns:p="http://schemas.openxmlformats.org/presentationml/2006/main" showMasterPhAnim="0" matchingName="Picture with Caption" type="picTx" userDrawn="1">
   <p:cSld name="PICTURE_WITH_CAPTION_TEXT">
     <p:spTree>
       <p:nvGrpSpPr>
@@ -8019,7 +8139,9 @@
       <p:sp>
         <p:nvSpPr>
           <p:cNvPr id="62" name="Google Shape;62;p15"/>
-          <p:cNvSpPr txBox="1"/>
+          <p:cNvSpPr txBox="1">
+            <a:spLocks noGrp="1"/>
+          </p:cNvSpPr>
           <p:nvPr>
             <p:ph type="title"/>
           </p:nvPr>
@@ -8160,7 +8282,9 @@
       <p:sp>
         <p:nvSpPr>
           <p:cNvPr id="63" name="Google Shape;63;p15"/>
-          <p:cNvSpPr/>
+          <p:cNvSpPr>
+            <a:spLocks noGrp="1"/>
+          </p:cNvSpPr>
           <p:nvPr>
             <p:ph type="pic" idx="2"/>
           </p:nvPr>
@@ -8182,7 +8306,9 @@
       <p:sp>
         <p:nvSpPr>
           <p:cNvPr id="64" name="Google Shape;64;p15"/>
-          <p:cNvSpPr txBox="1"/>
+          <p:cNvSpPr txBox="1">
+            <a:spLocks noGrp="1"/>
+          </p:cNvSpPr>
           <p:nvPr>
             <p:ph type="body" idx="1"/>
           </p:nvPr>
@@ -8370,7 +8496,9 @@
       <p:sp>
         <p:nvSpPr>
           <p:cNvPr id="65" name="Google Shape;65;p15"/>
-          <p:cNvSpPr txBox="1"/>
+          <p:cNvSpPr txBox="1">
+            <a:spLocks noGrp="1"/>
+          </p:cNvSpPr>
           <p:nvPr>
             <p:ph type="dt" idx="10"/>
           </p:nvPr>
@@ -8504,7 +8632,9 @@
       <p:sp>
         <p:nvSpPr>
           <p:cNvPr id="66" name="Google Shape;66;p15"/>
-          <p:cNvSpPr txBox="1"/>
+          <p:cNvSpPr txBox="1">
+            <a:spLocks noGrp="1"/>
+          </p:cNvSpPr>
           <p:nvPr>
             <p:ph type="ftr" idx="11"/>
           </p:nvPr>
@@ -8638,7 +8768,9 @@
       <p:sp>
         <p:nvSpPr>
           <p:cNvPr id="67" name="Google Shape;67;p15"/>
-          <p:cNvSpPr txBox="1"/>
+          <p:cNvSpPr txBox="1">
+            <a:spLocks noGrp="1"/>
+          </p:cNvSpPr>
           <p:nvPr>
             <p:ph type="sldNum" idx="12"/>
           </p:nvPr>
@@ -8738,7 +8870,7 @@
             </a:pPr>
             <a:fld id="{00000000-1234-1234-1234-123412341234}" type="slidenum">
               <a:rPr lang="ru-RU"/>
-              <a:t/>
+              <a:t>‹#›</a:t>
             </a:fld>
             <a:endParaRPr/>
           </a:p>
@@ -8753,13 +8885,14 @@
 </file>
 
 <file path=ppt/slideMasters/slideMaster1.xml><?xml version="1.0" encoding="utf-8"?>
-<p:sldMaster xmlns:a="http://schemas.openxmlformats.org/drawingml/2006/main" xmlns:r="http://schemas.openxmlformats.org/officeDocument/2006/relationships" xmlns:p="http://schemas.openxmlformats.org/presentationml/2006/main" xmlns:m="http://schemas.openxmlformats.org/officeDocument/2006/math" xmlns:w="http://schemas.openxmlformats.org/wordprocessingml/2006/main" preserve="0">
-  <p:cSld name="">
+<p:sldMaster xmlns:a="http://schemas.openxmlformats.org/drawingml/2006/main" xmlns:r="http://schemas.openxmlformats.org/officeDocument/2006/relationships" xmlns:p="http://schemas.openxmlformats.org/presentationml/2006/main">
+  <p:cSld>
     <p:bg>
-      <p:bgPr shadeToTitle="0">
+      <p:bgPr>
         <a:solidFill>
           <a:schemeClr val="lt1"/>
         </a:solidFill>
+        <a:effectLst/>
       </p:bgPr>
     </p:bg>
     <p:spTree>
@@ -8779,7 +8912,9 @@
       <p:sp>
         <p:nvSpPr>
           <p:cNvPr id="6" name="Google Shape;6;p6"/>
-          <p:cNvSpPr txBox="1"/>
+          <p:cNvSpPr txBox="1">
+            <a:spLocks noGrp="1"/>
+          </p:cNvSpPr>
           <p:nvPr>
             <p:ph type="title"/>
           </p:nvPr>
@@ -8927,7 +9062,9 @@
       <p:sp>
         <p:nvSpPr>
           <p:cNvPr id="7" name="Google Shape;7;p6"/>
-          <p:cNvSpPr txBox="1"/>
+          <p:cNvSpPr txBox="1">
+            <a:spLocks noGrp="1"/>
+          </p:cNvSpPr>
           <p:nvPr>
             <p:ph type="body" idx="1"/>
           </p:nvPr>
@@ -9187,7 +9324,9 @@
       <p:sp>
         <p:nvSpPr>
           <p:cNvPr id="8" name="Google Shape;8;p6"/>
-          <p:cNvSpPr txBox="1"/>
+          <p:cNvSpPr txBox="1">
+            <a:spLocks noGrp="1"/>
+          </p:cNvSpPr>
           <p:nvPr>
             <p:ph type="dt" idx="10"/>
           </p:nvPr>
@@ -9384,7 +9523,9 @@
       <p:sp>
         <p:nvSpPr>
           <p:cNvPr id="9" name="Google Shape;9;p6"/>
-          <p:cNvSpPr txBox="1"/>
+          <p:cNvSpPr txBox="1">
+            <a:spLocks noGrp="1"/>
+          </p:cNvSpPr>
           <p:nvPr>
             <p:ph type="ftr" idx="11"/>
           </p:nvPr>
@@ -9581,7 +9722,9 @@
       <p:sp>
         <p:nvSpPr>
           <p:cNvPr id="10" name="Google Shape;10;p6"/>
-          <p:cNvSpPr txBox="1"/>
+          <p:cNvSpPr txBox="1">
+            <a:spLocks noGrp="1"/>
+          </p:cNvSpPr>
           <p:nvPr>
             <p:ph type="sldNum" idx="12"/>
           </p:nvPr>
@@ -9744,7 +9887,7 @@
             </a:pPr>
             <a:fld id="{00000000-1234-1234-1234-123412341234}" type="slidenum">
               <a:rPr lang="ru-RU"/>
-              <a:t/>
+              <a:t>‹#›</a:t>
             </a:fld>
             <a:endParaRPr/>
           </a:p>
@@ -9766,7 +9909,7 @@
     <p:sldLayoutId id="2147483658" r:id="rId10"/>
     <p:sldLayoutId id="2147483659" r:id="rId11"/>
   </p:sldLayoutIdLst>
-  <p:hf dt="0" ftr="0" hdr="0" sldNum="0"/>
+  <p:hf sldNum="0" hdr="0" ftr="0" dt="0"/>
   <p:txStyles>
     <p:titleStyle>
       <a:defPPr marR="0" lvl="0" algn="l">
@@ -10433,8 +10576,8 @@
 </file>
 
 <file path=ppt/slides/slide1.xml><?xml version="1.0" encoding="utf-8"?>
-<p:sld xmlns:a="http://schemas.openxmlformats.org/drawingml/2006/main" xmlns:r="http://schemas.openxmlformats.org/officeDocument/2006/relationships" xmlns:p="http://schemas.openxmlformats.org/presentationml/2006/main" xmlns:m="http://schemas.openxmlformats.org/officeDocument/2006/math" xmlns:w="http://schemas.openxmlformats.org/wordprocessingml/2006/main" showMasterPhAnim="0" show="1">
-  <p:cSld name="">
+<p:sld xmlns:a="http://schemas.openxmlformats.org/drawingml/2006/main" xmlns:r="http://schemas.openxmlformats.org/officeDocument/2006/relationships" xmlns:p="http://schemas.openxmlformats.org/presentationml/2006/main" showMasterPhAnim="0">
+  <p:cSld>
     <p:spTree>
       <p:nvGrpSpPr>
         <p:cNvPr id="1" name=""/>
@@ -10452,14 +10595,16 @@
       <p:sp>
         <p:nvSpPr>
           <p:cNvPr id="84" name="Google Shape;84;p1"/>
-          <p:cNvSpPr txBox="1"/>
+          <p:cNvSpPr txBox="1">
+            <a:spLocks noGrp="1"/>
+          </p:cNvSpPr>
           <p:nvPr>
             <p:ph type="ctrTitle"/>
           </p:nvPr>
         </p:nvSpPr>
         <p:spPr bwMode="auto">
           <a:xfrm>
-            <a:off x="1523999" y="2936874"/>
+            <a:off x="1524000" y="2348880"/>
             <a:ext cx="9144000" cy="2387600"/>
           </a:xfrm>
           <a:prstGeom prst="rect">
@@ -10495,10 +10640,145 @@
               <a:defRPr/>
             </a:pPr>
             <a:r>
-              <a:rPr lang="ru-RU"/>
+              <a:rPr lang="ru-RU" dirty="0"/>
               <a:t>Веб-приложение для обучения сотрудников организаций информационной безопасности</a:t>
             </a:r>
-            <a:endParaRPr/>
+            <a:endParaRPr dirty="0"/>
+          </a:p>
+        </p:txBody>
+      </p:sp>
+      <p:sp>
+        <p:nvSpPr>
+          <p:cNvPr id="2" name="TextBox 1">
+            <a:extLst>
+              <a:ext uri="{FF2B5EF4-FFF2-40B4-BE49-F238E27FC236}">
+                <a16:creationId xmlns:a16="http://schemas.microsoft.com/office/drawing/2014/main" id="{FAE53DB3-0121-863C-0B94-F98D7A98515E}"/>
+              </a:ext>
+            </a:extLst>
+          </p:cNvPr>
+          <p:cNvSpPr txBox="1"/>
+          <p:nvPr/>
+        </p:nvSpPr>
+        <p:spPr>
+          <a:xfrm>
+            <a:off x="335360" y="5589240"/>
+            <a:ext cx="5904656" cy="1015663"/>
+          </a:xfrm>
+          <a:prstGeom prst="rect">
+            <a:avLst/>
+          </a:prstGeom>
+          <a:noFill/>
+        </p:spPr>
+        <p:txBody>
+          <a:bodyPr wrap="square" rtlCol="0">
+            <a:spAutoFit/>
+          </a:bodyPr>
+          <a:lstStyle/>
+          <a:p>
+            <a:r>
+              <a:rPr lang="ru-RU" sz="2000" b="0" i="0" dirty="0">
+                <a:solidFill>
+                  <a:srgbClr val="000000"/>
+                </a:solidFill>
+                <a:effectLst/>
+                <a:latin typeface="Calibri" panose="020F0502020204030204" pitchFamily="34" charset="0"/>
+                <a:cs typeface="Calibri" panose="020F0502020204030204" pitchFamily="34" charset="0"/>
+              </a:rPr>
+              <a:t>Томский государственный университет систем управления и радиоэлектроники</a:t>
+            </a:r>
+            <a:r>
+              <a:rPr lang="en-US" sz="2000" b="0" i="0" dirty="0">
+                <a:solidFill>
+                  <a:srgbClr val="000000"/>
+                </a:solidFill>
+                <a:effectLst/>
+                <a:latin typeface="Calibri" panose="020F0502020204030204" pitchFamily="34" charset="0"/>
+                <a:cs typeface="Calibri" panose="020F0502020204030204" pitchFamily="34" charset="0"/>
+              </a:rPr>
+              <a:t> (</a:t>
+            </a:r>
+            <a:r>
+              <a:rPr lang="ru-RU" sz="2000" b="0" i="0" dirty="0">
+                <a:solidFill>
+                  <a:srgbClr val="000000"/>
+                </a:solidFill>
+                <a:effectLst/>
+                <a:latin typeface="Calibri" panose="020F0502020204030204" pitchFamily="34" charset="0"/>
+                <a:cs typeface="Calibri" panose="020F0502020204030204" pitchFamily="34" charset="0"/>
+              </a:rPr>
+              <a:t>ТУСУР)</a:t>
+            </a:r>
+          </a:p>
+          <a:p>
+            <a:endParaRPr lang="en-US" sz="2000" dirty="0">
+              <a:latin typeface="Calibri" panose="020F0502020204030204" pitchFamily="34" charset="0"/>
+              <a:cs typeface="Calibri" panose="020F0502020204030204" pitchFamily="34" charset="0"/>
+            </a:endParaRPr>
+          </a:p>
+        </p:txBody>
+      </p:sp>
+      <p:sp>
+        <p:nvSpPr>
+          <p:cNvPr id="4" name="TextBox 3">
+            <a:extLst>
+              <a:ext uri="{FF2B5EF4-FFF2-40B4-BE49-F238E27FC236}">
+                <a16:creationId xmlns:a16="http://schemas.microsoft.com/office/drawing/2014/main" id="{B0A0D7D3-5A4D-1A81-8DA4-343B7EE7D78F}"/>
+              </a:ext>
+            </a:extLst>
+          </p:cNvPr>
+          <p:cNvSpPr txBox="1"/>
+          <p:nvPr/>
+        </p:nvSpPr>
+        <p:spPr bwMode="auto">
+          <a:xfrm>
+            <a:off x="5951984" y="5589240"/>
+            <a:ext cx="5904656" cy="707886"/>
+          </a:xfrm>
+          <a:prstGeom prst="rect">
+            <a:avLst/>
+          </a:prstGeom>
+          <a:noFill/>
+        </p:spPr>
+        <p:txBody>
+          <a:bodyPr wrap="square" rtlCol="0">
+            <a:spAutoFit/>
+          </a:bodyPr>
+          <a:lstStyle/>
+          <a:p>
+            <a:pPr algn="r"/>
+            <a:r>
+              <a:rPr lang="ru-RU" sz="2000" b="0" i="0" dirty="0">
+                <a:solidFill>
+                  <a:srgbClr val="000000"/>
+                </a:solidFill>
+                <a:effectLst/>
+                <a:latin typeface="Calibri" panose="020F0502020204030204" pitchFamily="34" charset="0"/>
+                <a:cs typeface="Calibri" panose="020F0502020204030204" pitchFamily="34" charset="0"/>
+              </a:rPr>
+              <a:t>Студент гр. </a:t>
+            </a:r>
+            <a:r>
+              <a:rPr lang="ru-RU" sz="2000" dirty="0">
+                <a:latin typeface="Calibri" panose="020F0502020204030204" pitchFamily="34" charset="0"/>
+                <a:cs typeface="Calibri" panose="020F0502020204030204" pitchFamily="34" charset="0"/>
+              </a:rPr>
+              <a:t>З-38 М.Е. Савельев</a:t>
+            </a:r>
+            <a:endParaRPr lang="ru-RU" sz="2000" b="0" i="0" dirty="0">
+              <a:solidFill>
+                <a:srgbClr val="000000"/>
+              </a:solidFill>
+              <a:effectLst/>
+              <a:latin typeface="Calibri" panose="020F0502020204030204" pitchFamily="34" charset="0"/>
+              <a:cs typeface="Calibri" panose="020F0502020204030204" pitchFamily="34" charset="0"/>
+            </a:endParaRPr>
+          </a:p>
+          <a:p>
+            <a:pPr algn="r"/>
+            <a:endParaRPr lang="en-US" sz="2000" dirty="0">
+              <a:latin typeface="Calibri" panose="020F0502020204030204" pitchFamily="34" charset="0"/>
+              <a:cs typeface="Calibri" panose="020F0502020204030204" pitchFamily="34" charset="0"/>
+            </a:endParaRPr>
           </a:p>
         </p:txBody>
       </p:sp>
@@ -10507,20 +10787,12 @@
   <p:clrMapOvr>
     <a:masterClrMapping/>
   </p:clrMapOvr>
-  <mc:AlternateContent xmlns:mc="http://schemas.openxmlformats.org/markup-compatibility/2006">
-    <mc:Choice xmlns:p14="http://schemas.microsoft.com/office/powerpoint/2010/main" Requires="p14">
-      <p:transition p14:dur="2000" advClick="1"/>
-    </mc:Choice>
-    <mc:Fallback>
-      <p:transition advClick="1"/>
-    </mc:Fallback>
-  </mc:AlternateContent>
 </p:sld>
 </file>
 
 <file path=ppt/slides/slide2.xml><?xml version="1.0" encoding="utf-8"?>
-<p:sld xmlns:a="http://schemas.openxmlformats.org/drawingml/2006/main" xmlns:r="http://schemas.openxmlformats.org/officeDocument/2006/relationships" xmlns:p="http://schemas.openxmlformats.org/presentationml/2006/main" xmlns:m="http://schemas.openxmlformats.org/officeDocument/2006/math" xmlns:w="http://schemas.openxmlformats.org/wordprocessingml/2006/main" showMasterPhAnim="0" show="1">
-  <p:cSld name="">
+<p:sld xmlns:a="http://schemas.openxmlformats.org/drawingml/2006/main" xmlns:r="http://schemas.openxmlformats.org/officeDocument/2006/relationships" xmlns:p="http://schemas.openxmlformats.org/presentationml/2006/main" showMasterPhAnim="0">
+  <p:cSld>
     <p:spTree>
       <p:nvGrpSpPr>
         <p:cNvPr id="1" name=""/>
@@ -10538,7 +10810,9 @@
       <p:sp>
         <p:nvSpPr>
           <p:cNvPr id="89" name="Google Shape;89;p2"/>
-          <p:cNvSpPr txBox="1"/>
+          <p:cNvSpPr txBox="1">
+            <a:spLocks noGrp="1"/>
+          </p:cNvSpPr>
           <p:nvPr>
             <p:ph type="title"/>
           </p:nvPr>
@@ -10591,7 +10865,9 @@
       <p:sp>
         <p:nvSpPr>
           <p:cNvPr id="90" name="Google Shape;90;p2"/>
-          <p:cNvSpPr txBox="1"/>
+          <p:cNvSpPr txBox="1">
+            <a:spLocks noGrp="1"/>
+          </p:cNvSpPr>
           <p:nvPr>
             <p:ph type="body" idx="1"/>
           </p:nvPr>
@@ -10634,19 +10910,7 @@
             </a:pPr>
             <a:r>
               <a:rPr lang="ru-RU"/>
-              <a:t>Согласно исследованию “Лаборатории Касперского” больше п</a:t>
-            </a:r>
-            <a:r>
-              <a:rPr lang="ru-RU"/>
-              <a:t>оловины (51,3%) </a:t>
-            </a:r>
-            <a:r>
-              <a:rPr lang="ru-RU"/>
-              <a:t>специалистов организаций</a:t>
-            </a:r>
-            <a:r>
-              <a:rPr lang="ru-RU"/>
-              <a:t> заявили, что у них на работе не проводится обучение навыкам кибербезопасности ни в каком виде</a:t>
+              <a:t>Согласно исследованию “Лаборатории Касперского” больше половины (51,3%) специалистов организаций заявили, что у них на работе не проводится обучение навыкам кибербезопасности ни в каком виде</a:t>
             </a:r>
             <a:endParaRPr/>
           </a:p>
@@ -10670,11 +10934,7 @@
             </a:pPr>
             <a:r>
               <a:rPr lang="ru-RU"/>
-              <a:t>Согласно отзывам респондентов, чаще всего обучение сводилось к устному инструктажу, либо к прохождению собственного упрощённого теста компании, составленного не специалистам</a:t>
-            </a:r>
-            <a:r>
-              <a:rPr lang="ru-RU"/>
-              <a:t>и ИБ</a:t>
+              <a:t>Согласно отзывам респондентов, чаще всего обучение сводилось к устному инструктажу, либо к прохождению собственного упрощённого теста компании, составленного не специалистами ИБ</a:t>
             </a:r>
             <a:endParaRPr/>
           </a:p>
@@ -10709,20 +10969,12 @@
   <p:clrMapOvr>
     <a:masterClrMapping/>
   </p:clrMapOvr>
-  <mc:AlternateContent xmlns:mc="http://schemas.openxmlformats.org/markup-compatibility/2006">
-    <mc:Choice xmlns:p14="http://schemas.microsoft.com/office/powerpoint/2010/main" Requires="p14">
-      <p:transition p14:dur="2000" advClick="1"/>
-    </mc:Choice>
-    <mc:Fallback>
-      <p:transition advClick="1"/>
-    </mc:Fallback>
-  </mc:AlternateContent>
 </p:sld>
 </file>
 
 <file path=ppt/slides/slide3.xml><?xml version="1.0" encoding="utf-8"?>
-<p:sld xmlns:a="http://schemas.openxmlformats.org/drawingml/2006/main" xmlns:r="http://schemas.openxmlformats.org/officeDocument/2006/relationships" xmlns:p="http://schemas.openxmlformats.org/presentationml/2006/main" xmlns:m="http://schemas.openxmlformats.org/officeDocument/2006/math" xmlns:w="http://schemas.openxmlformats.org/wordprocessingml/2006/main" showMasterPhAnim="0" show="1">
-  <p:cSld name="">
+<p:sld xmlns:a="http://schemas.openxmlformats.org/drawingml/2006/main" xmlns:r="http://schemas.openxmlformats.org/officeDocument/2006/relationships" xmlns:p="http://schemas.openxmlformats.org/presentationml/2006/main" showMasterPhAnim="0">
+  <p:cSld>
     <p:spTree>
       <p:nvGrpSpPr>
         <p:cNvPr id="1" name=""/>
@@ -10740,7 +10992,9 @@
       <p:sp>
         <p:nvSpPr>
           <p:cNvPr id="95" name="Google Shape;95;p3"/>
-          <p:cNvSpPr txBox="1"/>
+          <p:cNvSpPr txBox="1">
+            <a:spLocks noGrp="1"/>
+          </p:cNvSpPr>
           <p:nvPr>
             <p:ph type="title"/>
           </p:nvPr>
@@ -10793,7 +11047,9 @@
       <p:sp>
         <p:nvSpPr>
           <p:cNvPr id="96" name="Google Shape;96;p3"/>
-          <p:cNvSpPr txBox="1"/>
+          <p:cNvSpPr txBox="1">
+            <a:spLocks noGrp="1"/>
+          </p:cNvSpPr>
           <p:nvPr>
             <p:ph type="body" idx="1"/>
           </p:nvPr>
@@ -10813,7 +11069,7 @@
         </p:spPr>
         <p:txBody>
           <a:bodyPr spcFirstLastPara="1" wrap="square" lIns="91425" tIns="45700" rIns="91425" bIns="45700" anchor="t" anchorCtr="0">
-            <a:normAutofit lnSpcReduction="20000"/>
+            <a:normAutofit fontScale="92500"/>
           </a:bodyPr>
           <a:lstStyle/>
           <a:p>
@@ -10836,27 +11092,7 @@
             </a:pPr>
             <a:r>
               <a:rPr lang="ru-RU"/>
-              <a:t>Создаётся универсальный </a:t>
-            </a:r>
-            <a:r>
-              <a:rPr lang="ru-RU"/>
-              <a:t>портал для обучения сотрудников информационной безопасности</a:t>
-            </a:r>
-            <a:r>
-              <a:rPr lang="ru-RU"/>
-              <a:t>, подходящий для </a:t>
-            </a:r>
-            <a:r>
-              <a:rPr lang="ru-RU"/>
-              <a:t>большинства</a:t>
-            </a:r>
-            <a:r>
-              <a:rPr lang="ru-RU"/>
-              <a:t> </a:t>
-            </a:r>
-            <a:r>
-              <a:rPr lang="ru-RU"/>
-              <a:t>компаний на рынке.</a:t>
+              <a:t>Создаётся универсальный портал для обучения сотрудников информационной безопасности, подходящий для большинства компаний на рынке.</a:t>
             </a:r>
             <a:endParaRPr/>
           </a:p>
@@ -10904,15 +11140,7 @@
             </a:pPr>
             <a:r>
               <a:rPr lang="ru-RU"/>
-              <a:t>Создание интерактивных курсов, </a:t>
-            </a:r>
-            <a:r>
-              <a:rPr lang="ru-RU"/>
-              <a:t>выгодно отличающихся</a:t>
-            </a:r>
-            <a:r>
-              <a:rPr lang="ru-RU"/>
-              <a:t> от однообразных тестов.</a:t>
+              <a:t>Создание интерактивных курсов, выгодно отличающихся от однообразных тестов.</a:t>
             </a:r>
             <a:endParaRPr/>
           </a:p>
@@ -10971,20 +11199,12 @@
   <p:clrMapOvr>
     <a:masterClrMapping/>
   </p:clrMapOvr>
-  <mc:AlternateContent xmlns:mc="http://schemas.openxmlformats.org/markup-compatibility/2006">
-    <mc:Choice xmlns:p14="http://schemas.microsoft.com/office/powerpoint/2010/main" Requires="p14">
-      <p:transition p14:dur="2000" advClick="1"/>
-    </mc:Choice>
-    <mc:Fallback>
-      <p:transition advClick="1"/>
-    </mc:Fallback>
-  </mc:AlternateContent>
 </p:sld>
 </file>
 
 <file path=ppt/slides/slide4.xml><?xml version="1.0" encoding="utf-8"?>
-<p:sld xmlns:a="http://schemas.openxmlformats.org/drawingml/2006/main" xmlns:r="http://schemas.openxmlformats.org/officeDocument/2006/relationships" xmlns:p="http://schemas.openxmlformats.org/presentationml/2006/main" xmlns:m="http://schemas.openxmlformats.org/officeDocument/2006/math" xmlns:w="http://schemas.openxmlformats.org/wordprocessingml/2006/main" showMasterPhAnim="0" show="1">
-  <p:cSld name="">
+<p:sld xmlns:a="http://schemas.openxmlformats.org/drawingml/2006/main" xmlns:r="http://schemas.openxmlformats.org/officeDocument/2006/relationships" xmlns:p="http://schemas.openxmlformats.org/presentationml/2006/main" showMasterPhAnim="0">
+  <p:cSld>
     <p:spTree>
       <p:nvGrpSpPr>
         <p:cNvPr id="1" name=""/>
@@ -11002,7 +11222,9 @@
       <p:sp>
         <p:nvSpPr>
           <p:cNvPr id="101" name="Google Shape;101;p4"/>
-          <p:cNvSpPr txBox="1"/>
+          <p:cNvSpPr txBox="1">
+            <a:spLocks noGrp="1"/>
+          </p:cNvSpPr>
           <p:nvPr>
             <p:ph type="title"/>
           </p:nvPr>
@@ -11055,7 +11277,9 @@
       <p:sp>
         <p:nvSpPr>
           <p:cNvPr id="102" name="Google Shape;102;p4"/>
-          <p:cNvSpPr txBox="1"/>
+          <p:cNvSpPr txBox="1">
+            <a:spLocks noGrp="1"/>
+          </p:cNvSpPr>
           <p:nvPr>
             <p:ph type="body" idx="1"/>
           </p:nvPr>
@@ -11098,11 +11322,7 @@
             </a:pPr>
             <a:r>
               <a:rPr lang="ru-RU"/>
-              <a:t>Веб-сайт будет создан на фреймворке Laravel языка PHP. Фреймворк </a:t>
-            </a:r>
-            <a:r>
-              <a:rPr lang="ru-RU"/>
-              <a:t>предоставляет надежный конструктор запросов (Query Builder) и Eloquent ORM. Благодаря им большинство запросов к БД по умолчанию защищено.</a:t>
+              <a:t>Веб-сайт будет создан на фреймворке Laravel языка PHP. Фреймворк предоставляет надежный конструктор запросов (Query Builder) и Eloquent ORM. Благодаря им большинство запросов к БД по умолчанию защищено.</a:t>
             </a:r>
             <a:endParaRPr/>
           </a:p>
@@ -11174,19 +11394,7 @@
             </a:pPr>
             <a:r>
               <a:rPr lang="ru-RU"/>
-              <a:t>Хостинг</a:t>
-            </a:r>
-            <a:r>
-              <a:rPr lang="ru-RU"/>
-              <a:t> будет выбран</a:t>
-            </a:r>
-            <a:r>
-              <a:rPr lang="ru-RU"/>
-              <a:t> из провайдеров на</a:t>
-            </a:r>
-            <a:r>
-              <a:rPr lang="ru-RU"/>
-              <a:t> рынке РФ, с перспективой дальнейшего расширения сервиса и способный выдержать нагрузку</a:t>
+              <a:t>Хостинг будет выбран из провайдеров на рынке РФ, с перспективой дальнейшего расширения сервиса и способный выдержать нагрузку</a:t>
             </a:r>
             <a:endParaRPr/>
           </a:p>
@@ -11197,20 +11405,12 @@
   <p:clrMapOvr>
     <a:masterClrMapping/>
   </p:clrMapOvr>
-  <mc:AlternateContent xmlns:mc="http://schemas.openxmlformats.org/markup-compatibility/2006">
-    <mc:Choice xmlns:p14="http://schemas.microsoft.com/office/powerpoint/2010/main" Requires="p14">
-      <p:transition p14:dur="2000" advClick="1"/>
-    </mc:Choice>
-    <mc:Fallback>
-      <p:transition advClick="1"/>
-    </mc:Fallback>
-  </mc:AlternateContent>
 </p:sld>
 </file>
 
 <file path=ppt/slides/slide5.xml><?xml version="1.0" encoding="utf-8"?>
-<p:sld xmlns:a="http://schemas.openxmlformats.org/drawingml/2006/main" xmlns:r="http://schemas.openxmlformats.org/officeDocument/2006/relationships" xmlns:p="http://schemas.openxmlformats.org/presentationml/2006/main" xmlns:m="http://schemas.openxmlformats.org/officeDocument/2006/math" xmlns:w="http://schemas.openxmlformats.org/wordprocessingml/2006/main" showMasterPhAnim="0" show="1">
-  <p:cSld name="">
+<p:sld xmlns:a="http://schemas.openxmlformats.org/drawingml/2006/main" xmlns:r="http://schemas.openxmlformats.org/officeDocument/2006/relationships" xmlns:p="http://schemas.openxmlformats.org/presentationml/2006/main" showMasterPhAnim="0">
+  <p:cSld>
     <p:spTree>
       <p:nvGrpSpPr>
         <p:cNvPr id="1" name=""/>
@@ -11228,7 +11428,9 @@
       <p:sp>
         <p:nvSpPr>
           <p:cNvPr id="107" name="Google Shape;107;p5"/>
-          <p:cNvSpPr txBox="1"/>
+          <p:cNvSpPr txBox="1">
+            <a:spLocks noGrp="1"/>
+          </p:cNvSpPr>
           <p:nvPr>
             <p:ph type="title"/>
           </p:nvPr>
@@ -11281,7 +11483,9 @@
       <p:sp>
         <p:nvSpPr>
           <p:cNvPr id="108" name="Google Shape;108;p5"/>
-          <p:cNvSpPr txBox="1"/>
+          <p:cNvSpPr txBox="1">
+            <a:spLocks noGrp="1"/>
+          </p:cNvSpPr>
           <p:nvPr>
             <p:ph type="body" idx="1"/>
           </p:nvPr>
@@ -11383,19 +11587,11 @@
   <p:clrMapOvr>
     <a:masterClrMapping/>
   </p:clrMapOvr>
-  <mc:AlternateContent xmlns:mc="http://schemas.openxmlformats.org/markup-compatibility/2006">
-    <mc:Choice xmlns:p14="http://schemas.microsoft.com/office/powerpoint/2010/main" Requires="p14">
-      <p:transition p14:dur="2000" advClick="1"/>
-    </mc:Choice>
-    <mc:Fallback>
-      <p:transition advClick="1"/>
-    </mc:Fallback>
-  </mc:AlternateContent>
 </p:sld>
 </file>
 
 <file path=ppt/theme/theme1.xml><?xml version="1.0" encoding="utf-8"?>
-<a:theme xmlns:a="http://schemas.openxmlformats.org/drawingml/2006/main" xmlns:r="http://schemas.openxmlformats.org/officeDocument/2006/relationships" xmlns:p="http://schemas.openxmlformats.org/presentationml/2006/main" name="Office Theme">
+<a:theme xmlns:a="http://schemas.openxmlformats.org/drawingml/2006/main" name="Office Theme">
   <a:themeElements>
     <a:clrScheme name="Office">
       <a:dk1>
@@ -11596,5 +11792,6 @@
     </a:fmtScheme>
   </a:themeElements>
   <a:objectDefaults/>
+  <a:extraClrSchemeLst/>
 </a:theme>
 </file>
--- a/1 практика/Презентация.pptx
+++ b/1 практика/Презентация.pptx
@@ -10604,7 +10604,7 @@
         </p:nvSpPr>
         <p:spPr bwMode="auto">
           <a:xfrm>
-            <a:off x="1524000" y="2348880"/>
+            <a:off x="1524000" y="2996952"/>
             <a:ext cx="9144000" cy="2387600"/>
           </a:xfrm>
           <a:prstGeom prst="rect">
@@ -10649,76 +10649,6 @@
       </p:sp>
       <p:sp>
         <p:nvSpPr>
-          <p:cNvPr id="2" name="TextBox 1">
-            <a:extLst>
-              <a:ext uri="{FF2B5EF4-FFF2-40B4-BE49-F238E27FC236}">
-                <a16:creationId xmlns:a16="http://schemas.microsoft.com/office/drawing/2014/main" id="{FAE53DB3-0121-863C-0B94-F98D7A98515E}"/>
-              </a:ext>
-            </a:extLst>
-          </p:cNvPr>
-          <p:cNvSpPr txBox="1"/>
-          <p:nvPr/>
-        </p:nvSpPr>
-        <p:spPr>
-          <a:xfrm>
-            <a:off x="335360" y="5589240"/>
-            <a:ext cx="5904656" cy="1015663"/>
-          </a:xfrm>
-          <a:prstGeom prst="rect">
-            <a:avLst/>
-          </a:prstGeom>
-          <a:noFill/>
-        </p:spPr>
-        <p:txBody>
-          <a:bodyPr wrap="square" rtlCol="0">
-            <a:spAutoFit/>
-          </a:bodyPr>
-          <a:lstStyle/>
-          <a:p>
-            <a:r>
-              <a:rPr lang="ru-RU" sz="2000" b="0" i="0" dirty="0">
-                <a:solidFill>
-                  <a:srgbClr val="000000"/>
-                </a:solidFill>
-                <a:effectLst/>
-                <a:latin typeface="Calibri" panose="020F0502020204030204" pitchFamily="34" charset="0"/>
-                <a:cs typeface="Calibri" panose="020F0502020204030204" pitchFamily="34" charset="0"/>
-              </a:rPr>
-              <a:t>Томский государственный университет систем управления и радиоэлектроники</a:t>
-            </a:r>
-            <a:r>
-              <a:rPr lang="en-US" sz="2000" b="0" i="0" dirty="0">
-                <a:solidFill>
-                  <a:srgbClr val="000000"/>
-                </a:solidFill>
-                <a:effectLst/>
-                <a:latin typeface="Calibri" panose="020F0502020204030204" pitchFamily="34" charset="0"/>
-                <a:cs typeface="Calibri" panose="020F0502020204030204" pitchFamily="34" charset="0"/>
-              </a:rPr>
-              <a:t> (</a:t>
-            </a:r>
-            <a:r>
-              <a:rPr lang="ru-RU" sz="2000" b="0" i="0" dirty="0">
-                <a:solidFill>
-                  <a:srgbClr val="000000"/>
-                </a:solidFill>
-                <a:effectLst/>
-                <a:latin typeface="Calibri" panose="020F0502020204030204" pitchFamily="34" charset="0"/>
-                <a:cs typeface="Calibri" panose="020F0502020204030204" pitchFamily="34" charset="0"/>
-              </a:rPr>
-              <a:t>ТУСУР)</a:t>
-            </a:r>
-          </a:p>
-          <a:p>
-            <a:endParaRPr lang="en-US" sz="2000" dirty="0">
-              <a:latin typeface="Calibri" panose="020F0502020204030204" pitchFamily="34" charset="0"/>
-              <a:cs typeface="Calibri" panose="020F0502020204030204" pitchFamily="34" charset="0"/>
-            </a:endParaRPr>
-          </a:p>
-        </p:txBody>
-      </p:sp>
-      <p:sp>
-        <p:nvSpPr>
           <p:cNvPr id="4" name="TextBox 3">
             <a:extLst>
               <a:ext uri="{FF2B5EF4-FFF2-40B4-BE49-F238E27FC236}">
@@ -10731,8 +10661,8 @@
         </p:nvSpPr>
         <p:spPr bwMode="auto">
           <a:xfrm>
-            <a:off x="5951984" y="5589240"/>
-            <a:ext cx="5904656" cy="707886"/>
+            <a:off x="5924693" y="5129865"/>
+            <a:ext cx="5904656" cy="1631216"/>
           </a:xfrm>
           <a:prstGeom prst="rect">
             <a:avLst/>
@@ -10755,23 +10685,57 @@
                 <a:latin typeface="Calibri" panose="020F0502020204030204" pitchFamily="34" charset="0"/>
                 <a:cs typeface="Calibri" panose="020F0502020204030204" pitchFamily="34" charset="0"/>
               </a:rPr>
-              <a:t>Студент гр. </a:t>
+              <a:t>Выполнил:</a:t>
+            </a:r>
+          </a:p>
+          <a:p>
+            <a:pPr algn="r"/>
+            <a:r>
+              <a:rPr lang="ru-RU" sz="2000" b="0" i="0" dirty="0">
+                <a:solidFill>
+                  <a:srgbClr val="000000"/>
+                </a:solidFill>
+                <a:effectLst/>
+                <a:latin typeface="Calibri" panose="020F0502020204030204" pitchFamily="34" charset="0"/>
+                <a:cs typeface="Calibri" panose="020F0502020204030204" pitchFamily="34" charset="0"/>
+              </a:rPr>
+              <a:t>Студент гр. з</a:t>
             </a:r>
             <a:r>
               <a:rPr lang="ru-RU" sz="2000" dirty="0">
                 <a:latin typeface="Calibri" panose="020F0502020204030204" pitchFamily="34" charset="0"/>
                 <a:cs typeface="Calibri" panose="020F0502020204030204" pitchFamily="34" charset="0"/>
               </a:rPr>
-              <a:t>З-38 М.Е. Савельев</a:t>
+              <a:t>-38</a:t>
             </a:r>
-            <a:endParaRPr lang="ru-RU" sz="2000" b="0" i="0" dirty="0">
-              <a:solidFill>
-                <a:srgbClr val="000000"/>
-              </a:solidFill>
-              <a:effectLst/>
-              <a:latin typeface="Calibri" panose="020F0502020204030204" pitchFamily="34" charset="0"/>
-              <a:cs typeface="Calibri" panose="020F0502020204030204" pitchFamily="34" charset="0"/>
-            </a:endParaRPr>
+          </a:p>
+          <a:p>
+            <a:pPr algn="r"/>
+            <a:r>
+              <a:rPr lang="ru-RU" sz="2000" b="0" i="0" dirty="0">
+                <a:solidFill>
+                  <a:srgbClr val="000000"/>
+                </a:solidFill>
+                <a:effectLst/>
+                <a:latin typeface="Calibri" panose="020F0502020204030204" pitchFamily="34" charset="0"/>
+                <a:cs typeface="Calibri" panose="020F0502020204030204" pitchFamily="34" charset="0"/>
+              </a:rPr>
+              <a:t>Савельев </a:t>
+            </a:r>
+          </a:p>
+          <a:p>
+            <a:pPr algn="r"/>
+            <a:r>
+              <a:rPr lang="ru-RU" sz="2000" b="0" i="0" dirty="0">
+                <a:solidFill>
+                  <a:srgbClr val="000000"/>
+                </a:solidFill>
+                <a:effectLst/>
+                <a:latin typeface="Calibri" panose="020F0502020204030204" pitchFamily="34" charset="0"/>
+                <a:cs typeface="Calibri" panose="020F0502020204030204" pitchFamily="34" charset="0"/>
+              </a:rPr>
+              <a:t>Максим Евгеньевич</a:t>
+            </a:r>
           </a:p>
           <a:p>
             <a:pPr algn="r"/>
@@ -10779,6 +10743,154 @@
               <a:latin typeface="Calibri" panose="020F0502020204030204" pitchFamily="34" charset="0"/>
               <a:cs typeface="Calibri" panose="020F0502020204030204" pitchFamily="34" charset="0"/>
             </a:endParaRPr>
+          </a:p>
+        </p:txBody>
+      </p:sp>
+      <p:sp>
+        <p:nvSpPr>
+          <p:cNvPr id="3" name="TextBox 2">
+            <a:extLst>
+              <a:ext uri="{FF2B5EF4-FFF2-40B4-BE49-F238E27FC236}">
+                <a16:creationId xmlns:a16="http://schemas.microsoft.com/office/drawing/2014/main" id="{694843A3-B4AC-D6D9-D1C9-509D1596E298}"/>
+              </a:ext>
+            </a:extLst>
+          </p:cNvPr>
+          <p:cNvSpPr txBox="1"/>
+          <p:nvPr/>
+        </p:nvSpPr>
+        <p:spPr>
+          <a:xfrm>
+            <a:off x="1740895" y="116632"/>
+            <a:ext cx="8422177" cy="1384995"/>
+          </a:xfrm>
+          <a:prstGeom prst="rect">
+            <a:avLst/>
+          </a:prstGeom>
+          <a:noFill/>
+        </p:spPr>
+        <p:txBody>
+          <a:bodyPr wrap="none" rtlCol="0">
+            <a:spAutoFit/>
+          </a:bodyPr>
+          <a:lstStyle/>
+          <a:p>
+            <a:pPr marL="0" marR="0" indent="450215" algn="ctr">
+              <a:lnSpc>
+                <a:spcPct val="150000"/>
+              </a:lnSpc>
+              <a:spcBef>
+                <a:spcPts val="0"/>
+              </a:spcBef>
+              <a:spcAft>
+                <a:spcPts val="0"/>
+              </a:spcAft>
+              <a:tabLst>
+                <a:tab pos="2880360" algn="ctr"/>
+                <a:tab pos="5760720" algn="r"/>
+              </a:tabLst>
+            </a:pPr>
+            <a:r>
+              <a:rPr lang="ru-RU" sz="1200" dirty="0">
+                <a:effectLst/>
+                <a:latin typeface="Times New Roman" panose="02020603050405020304" pitchFamily="18" charset="0"/>
+                <a:ea typeface="Calibri" panose="020F0502020204030204" pitchFamily="34" charset="0"/>
+                <a:cs typeface="Times New Roman" panose="02020603050405020304" pitchFamily="18" charset="0"/>
+              </a:rPr>
+              <a:t>Министерство науки и высшего образования Российской Федерации</a:t>
+            </a:r>
+            <a:endParaRPr lang="en-US" sz="1200" dirty="0">
+              <a:effectLst/>
+              <a:latin typeface="Times New Roman" panose="02020603050405020304" pitchFamily="18" charset="0"/>
+              <a:ea typeface="Calibri" panose="020F0502020204030204" pitchFamily="34" charset="0"/>
+              <a:cs typeface="Times New Roman" panose="02020603050405020304" pitchFamily="18" charset="0"/>
+            </a:endParaRPr>
+          </a:p>
+          <a:p>
+            <a:pPr marL="0" marR="0" indent="450215" algn="ctr">
+              <a:lnSpc>
+                <a:spcPct val="150000"/>
+              </a:lnSpc>
+              <a:spcBef>
+                <a:spcPts val="0"/>
+              </a:spcBef>
+              <a:spcAft>
+                <a:spcPts val="0"/>
+              </a:spcAft>
+            </a:pPr>
+            <a:r>
+              <a:rPr lang="ru-RU" sz="1200" dirty="0">
+                <a:effectLst/>
+                <a:latin typeface="Times New Roman" panose="02020603050405020304" pitchFamily="18" charset="0"/>
+                <a:ea typeface="Arial" panose="020B0604020202020204" pitchFamily="34" charset="0"/>
+                <a:cs typeface="Times New Roman" panose="02020603050405020304" pitchFamily="18" charset="0"/>
+              </a:rPr>
+              <a:t>Федеральное государственное бюджетное образовательное учреждение высшего образования</a:t>
+            </a:r>
+            <a:endParaRPr lang="en-US" sz="1200" dirty="0">
+              <a:effectLst/>
+              <a:latin typeface="Times New Roman" panose="02020603050405020304" pitchFamily="18" charset="0"/>
+              <a:ea typeface="Arial" panose="020B0604020202020204" pitchFamily="34" charset="0"/>
+              <a:cs typeface="Times New Roman" panose="02020603050405020304" pitchFamily="18" charset="0"/>
+            </a:endParaRPr>
+          </a:p>
+          <a:p>
+            <a:pPr marL="0" marR="0" indent="450215" algn="ctr">
+              <a:lnSpc>
+                <a:spcPct val="150000"/>
+              </a:lnSpc>
+              <a:spcBef>
+                <a:spcPts val="0"/>
+              </a:spcBef>
+              <a:spcAft>
+                <a:spcPts val="0"/>
+              </a:spcAft>
+            </a:pPr>
+            <a:r>
+              <a:rPr lang="ru-RU" sz="1200" dirty="0">
+                <a:effectLst/>
+                <a:latin typeface="Times New Roman" panose="02020603050405020304" pitchFamily="18" charset="0"/>
+                <a:ea typeface="Arial" panose="020B0604020202020204" pitchFamily="34" charset="0"/>
+                <a:cs typeface="Times New Roman" panose="02020603050405020304" pitchFamily="18" charset="0"/>
+              </a:rPr>
+              <a:t>ТОМСКИЙ ГОСУДАРСТВЕННЫЙ УНИВЕРСИТЕТ </a:t>
+            </a:r>
+            <a:endParaRPr lang="en-US" sz="1200" dirty="0">
+              <a:effectLst/>
+              <a:latin typeface="Times New Roman" panose="02020603050405020304" pitchFamily="18" charset="0"/>
+              <a:ea typeface="Arial" panose="020B0604020202020204" pitchFamily="34" charset="0"/>
+              <a:cs typeface="Times New Roman" panose="02020603050405020304" pitchFamily="18" charset="0"/>
+            </a:endParaRPr>
+          </a:p>
+          <a:p>
+            <a:pPr marL="0" marR="0" indent="450215" algn="ctr">
+              <a:lnSpc>
+                <a:spcPct val="150000"/>
+              </a:lnSpc>
+              <a:spcBef>
+                <a:spcPts val="0"/>
+              </a:spcBef>
+              <a:spcAft>
+                <a:spcPts val="0"/>
+              </a:spcAft>
+            </a:pPr>
+            <a:r>
+              <a:rPr lang="ru-RU" sz="1200" dirty="0">
+                <a:effectLst/>
+                <a:latin typeface="Times New Roman" panose="02020603050405020304" pitchFamily="18" charset="0"/>
+                <a:ea typeface="Arial" panose="020B0604020202020204" pitchFamily="34" charset="0"/>
+                <a:cs typeface="Times New Roman" panose="02020603050405020304" pitchFamily="18" charset="0"/>
+              </a:rPr>
+              <a:t>СИСТЕМ УПРАВЛЕНИЯ И РАДИОЭЛЕКТРОНИКИ (ТУСУР)</a:t>
+            </a:r>
+            <a:endParaRPr lang="en-US" sz="1200" dirty="0">
+              <a:effectLst/>
+              <a:latin typeface="Times New Roman" panose="02020603050405020304" pitchFamily="18" charset="0"/>
+              <a:ea typeface="Arial" panose="020B0604020202020204" pitchFamily="34" charset="0"/>
+              <a:cs typeface="Times New Roman" panose="02020603050405020304" pitchFamily="18" charset="0"/>
+            </a:endParaRPr>
+          </a:p>
+          <a:p>
+            <a:endParaRPr lang="en-US" sz="1200" dirty="0"/>
           </a:p>
         </p:txBody>
       </p:sp>
